--- a/Getting Started with Dart.pptx
+++ b/Getting Started with Dart.pptx
@@ -5939,6 +5939,13 @@
   <p:clrMapOvr>
     <a:masterClrMapping/>
   </p:clrMapOvr>
+  <p:timing>
+    <p:tnLst>
+      <p:par>
+        <p:cTn id="1" dur="indefinite" restart="never" nodeType="tmRoot"/>
+      </p:par>
+    </p:tnLst>
+  </p:timing>
 </p:sld>
 </file>
 
@@ -6051,6 +6058,13 @@
   <p:clrMapOvr>
     <a:masterClrMapping/>
   </p:clrMapOvr>
+  <p:timing>
+    <p:tnLst>
+      <p:par>
+        <p:cTn id="1" dur="indefinite" restart="never" nodeType="tmRoot"/>
+      </p:par>
+    </p:tnLst>
+  </p:timing>
 </p:sld>
 </file>
 
@@ -6142,6 +6156,13 @@
   <p:clrMapOvr>
     <a:masterClrMapping/>
   </p:clrMapOvr>
+  <p:timing>
+    <p:tnLst>
+      <p:par>
+        <p:cTn id="1" dur="indefinite" restart="never" nodeType="tmRoot"/>
+      </p:par>
+    </p:tnLst>
+  </p:timing>
 </p:sld>
 </file>
 
@@ -6230,6 +6251,13 @@
   <p:clrMapOvr>
     <a:masterClrMapping/>
   </p:clrMapOvr>
+  <p:timing>
+    <p:tnLst>
+      <p:par>
+        <p:cTn id="1" dur="indefinite" restart="never" nodeType="tmRoot"/>
+      </p:par>
+    </p:tnLst>
+  </p:timing>
 </p:sld>
 </file>
 
@@ -6356,6 +6384,13 @@
   <p:clrMapOvr>
     <a:masterClrMapping/>
   </p:clrMapOvr>
+  <p:timing>
+    <p:tnLst>
+      <p:par>
+        <p:cTn id="1" dur="indefinite" restart="never" nodeType="tmRoot"/>
+      </p:par>
+    </p:tnLst>
+  </p:timing>
 </p:sld>
 </file>
 
@@ -6455,6 +6490,13 @@
   <p:clrMapOvr>
     <a:masterClrMapping/>
   </p:clrMapOvr>
+  <p:timing>
+    <p:tnLst>
+      <p:par>
+        <p:cTn id="1" dur="indefinite" restart="never" nodeType="tmRoot"/>
+      </p:par>
+    </p:tnLst>
+  </p:timing>
 </p:sld>
 </file>
 
@@ -6609,6 +6651,13 @@
   <p:clrMapOvr>
     <a:masterClrMapping/>
   </p:clrMapOvr>
+  <p:timing>
+    <p:tnLst>
+      <p:par>
+        <p:cTn id="1" dur="indefinite" restart="never" nodeType="tmRoot"/>
+      </p:par>
+    </p:tnLst>
+  </p:timing>
 </p:sld>
 </file>
 
@@ -6738,6 +6787,13 @@
   <p:clrMapOvr>
     <a:masterClrMapping/>
   </p:clrMapOvr>
+  <p:timing>
+    <p:tnLst>
+      <p:par>
+        <p:cTn id="1" dur="indefinite" restart="never" nodeType="tmRoot"/>
+      </p:par>
+    </p:tnLst>
+  </p:timing>
 </p:sld>
 </file>
 
@@ -6860,6 +6916,13 @@
   <p:clrMapOvr>
     <a:masterClrMapping/>
   </p:clrMapOvr>
+  <p:timing>
+    <p:tnLst>
+      <p:par>
+        <p:cTn id="1" dur="indefinite" restart="never" nodeType="tmRoot"/>
+      </p:par>
+    </p:tnLst>
+  </p:timing>
 </p:sld>
 </file>
 
@@ -6957,6 +7020,13 @@
   <p:clrMapOvr>
     <a:masterClrMapping/>
   </p:clrMapOvr>
+  <p:timing>
+    <p:tnLst>
+      <p:par>
+        <p:cTn id="1" dur="indefinite" restart="never" nodeType="tmRoot"/>
+      </p:par>
+    </p:tnLst>
+  </p:timing>
 </p:sld>
 </file>
 
@@ -7068,6 +7138,13 @@
   <p:clrMapOvr>
     <a:masterClrMapping/>
   </p:clrMapOvr>
+  <p:timing>
+    <p:tnLst>
+      <p:par>
+        <p:cTn id="1" dur="indefinite" restart="never" nodeType="tmRoot"/>
+      </p:par>
+    </p:tnLst>
+  </p:timing>
 </p:sld>
 </file>
 
@@ -7150,6 +7227,13 @@
   <p:clrMapOvr>
     <a:masterClrMapping/>
   </p:clrMapOvr>
+  <p:timing>
+    <p:tnLst>
+      <p:par>
+        <p:cTn id="1" dur="indefinite" restart="never" nodeType="tmRoot"/>
+      </p:par>
+    </p:tnLst>
+  </p:timing>
 </p:sld>
 </file>
 
@@ -7286,6 +7370,13 @@
   <p:clrMapOvr>
     <a:masterClrMapping/>
   </p:clrMapOvr>
+  <p:timing>
+    <p:tnLst>
+      <p:par>
+        <p:cTn id="1" dur="indefinite" restart="never" nodeType="tmRoot"/>
+      </p:par>
+    </p:tnLst>
+  </p:timing>
 </p:sld>
 </file>
 
@@ -7374,6 +7465,13 @@
   <p:clrMapOvr>
     <a:masterClrMapping/>
   </p:clrMapOvr>
+  <p:timing>
+    <p:tnLst>
+      <p:par>
+        <p:cTn id="1" dur="indefinite" restart="never" nodeType="tmRoot"/>
+      </p:par>
+    </p:tnLst>
+  </p:timing>
 </p:sld>
 </file>
 
@@ -7462,6 +7560,13 @@
   <p:clrMapOvr>
     <a:masterClrMapping/>
   </p:clrMapOvr>
+  <p:timing>
+    <p:tnLst>
+      <p:par>
+        <p:cTn id="1" dur="indefinite" restart="never" nodeType="tmRoot"/>
+      </p:par>
+    </p:tnLst>
+  </p:timing>
 </p:sld>
 </file>
 
@@ -7566,6 +7671,13 @@
   <p:clrMapOvr>
     <a:masterClrMapping/>
   </p:clrMapOvr>
+  <p:timing>
+    <p:tnLst>
+      <p:par>
+        <p:cTn id="1" dur="indefinite" restart="never" nodeType="tmRoot"/>
+      </p:par>
+    </p:tnLst>
+  </p:timing>
 </p:sld>
 </file>
 
@@ -7670,6 +7782,13 @@
   <p:clrMapOvr>
     <a:masterClrMapping/>
   </p:clrMapOvr>
+  <p:timing>
+    <p:tnLst>
+      <p:par>
+        <p:cTn id="1" dur="indefinite" restart="never" nodeType="tmRoot"/>
+      </p:par>
+    </p:tnLst>
+  </p:timing>
 </p:sld>
 </file>
 
@@ -7801,6 +7920,13 @@
   <p:clrMapOvr>
     <a:masterClrMapping/>
   </p:clrMapOvr>
+  <p:timing>
+    <p:tnLst>
+      <p:par>
+        <p:cTn id="1" dur="indefinite" restart="never" nodeType="tmRoot"/>
+      </p:par>
+    </p:tnLst>
+  </p:timing>
 </p:sld>
 </file>
 
@@ -7932,6 +8058,13 @@
   <p:clrMapOvr>
     <a:masterClrMapping/>
   </p:clrMapOvr>
+  <p:timing>
+    <p:tnLst>
+      <p:par>
+        <p:cTn id="1" dur="indefinite" restart="never" nodeType="tmRoot"/>
+      </p:par>
+    </p:tnLst>
+  </p:timing>
 </p:sld>
 </file>
 
@@ -8079,6 +8212,13 @@
   <p:clrMapOvr>
     <a:masterClrMapping/>
   </p:clrMapOvr>
+  <p:timing>
+    <p:tnLst>
+      <p:par>
+        <p:cTn id="1" dur="indefinite" restart="never" nodeType="tmRoot"/>
+      </p:par>
+    </p:tnLst>
+  </p:timing>
 </p:sld>
 </file>
 
@@ -8213,6 +8353,13 @@
   <p:clrMapOvr>
     <a:masterClrMapping/>
   </p:clrMapOvr>
+  <p:timing>
+    <p:tnLst>
+      <p:par>
+        <p:cTn id="1" dur="indefinite" restart="never" nodeType="tmRoot"/>
+      </p:par>
+    </p:tnLst>
+  </p:timing>
 </p:sld>
 </file>
 
@@ -8329,6 +8476,13 @@
   <p:clrMapOvr>
     <a:masterClrMapping/>
   </p:clrMapOvr>
+  <p:timing>
+    <p:tnLst>
+      <p:par>
+        <p:cTn id="1" dur="indefinite" restart="never" nodeType="tmRoot"/>
+      </p:par>
+    </p:tnLst>
+  </p:timing>
 </p:sld>
 </file>
 
@@ -8420,6 +8574,13 @@
   <p:clrMapOvr>
     <a:masterClrMapping/>
   </p:clrMapOvr>
+  <p:timing>
+    <p:tnLst>
+      <p:par>
+        <p:cTn id="1" dur="indefinite" restart="never" nodeType="tmRoot"/>
+      </p:par>
+    </p:tnLst>
+  </p:timing>
 </p:sld>
 </file>
 
@@ -8535,6 +8696,13 @@
   <p:clrMapOvr>
     <a:masterClrMapping/>
   </p:clrMapOvr>
+  <p:timing>
+    <p:tnLst>
+      <p:par>
+        <p:cTn id="1" dur="indefinite" restart="never" nodeType="tmRoot"/>
+      </p:par>
+    </p:tnLst>
+  </p:timing>
 </p:sld>
 </file>
 
@@ -8575,8 +8743,8 @@
               <a:t>String </a:t>
             </a:r>
             <a:r>
-              <a:rPr lang="en-US" dirty="0" err="1" smtClean="0"/>
-              <a:t>cocatination</a:t>
+              <a:rPr lang="en-US" dirty="0" smtClean="0"/>
+              <a:t>concatenation</a:t>
             </a:r>
             <a:endParaRPr lang="en-US" dirty="0"/>
           </a:p>
@@ -8646,6 +8814,13 @@
   <p:clrMapOvr>
     <a:masterClrMapping/>
   </p:clrMapOvr>
+  <p:timing>
+    <p:tnLst>
+      <p:par>
+        <p:cTn id="1" dur="indefinite" restart="never" nodeType="tmRoot"/>
+      </p:par>
+    </p:tnLst>
+  </p:timing>
 </p:sld>
 </file>
 
@@ -8771,6 +8946,13 @@
   <p:clrMapOvr>
     <a:masterClrMapping/>
   </p:clrMapOvr>
+  <p:timing>
+    <p:tnLst>
+      <p:par>
+        <p:cTn id="1" dur="indefinite" restart="never" nodeType="tmRoot"/>
+      </p:par>
+    </p:tnLst>
+  </p:timing>
 </p:sld>
 </file>
 
@@ -8893,6 +9075,13 @@
   <p:clrMapOvr>
     <a:masterClrMapping/>
   </p:clrMapOvr>
+  <p:timing>
+    <p:tnLst>
+      <p:par>
+        <p:cTn id="1" dur="indefinite" restart="never" nodeType="tmRoot"/>
+      </p:par>
+    </p:tnLst>
+  </p:timing>
 </p:sld>
 </file>
 
@@ -8980,6 +9169,13 @@
   <p:clrMapOvr>
     <a:masterClrMapping/>
   </p:clrMapOvr>
+  <p:timing>
+    <p:tnLst>
+      <p:par>
+        <p:cTn id="1" dur="indefinite" restart="never" nodeType="tmRoot"/>
+      </p:par>
+    </p:tnLst>
+  </p:timing>
 </p:sld>
 </file>
 
@@ -9078,6 +9274,13 @@
   <p:clrMapOvr>
     <a:masterClrMapping/>
   </p:clrMapOvr>
+  <p:timing>
+    <p:tnLst>
+      <p:par>
+        <p:cTn id="1" dur="indefinite" restart="never" nodeType="tmRoot"/>
+      </p:par>
+    </p:tnLst>
+  </p:timing>
 </p:sld>
 </file>
 
@@ -9187,6 +9390,13 @@
   <p:clrMapOvr>
     <a:masterClrMapping/>
   </p:clrMapOvr>
+  <p:timing>
+    <p:tnLst>
+      <p:par>
+        <p:cTn id="1" dur="indefinite" restart="never" nodeType="tmRoot"/>
+      </p:par>
+    </p:tnLst>
+  </p:timing>
 </p:sld>
 </file>
 
@@ -9240,7 +9450,12 @@
             <p:ph idx="1"/>
           </p:nvPr>
         </p:nvSpPr>
-        <p:spPr/>
+        <p:spPr>
+          <a:xfrm>
+            <a:off x="1295401" y="2565897"/>
+            <a:ext cx="9601196" cy="3318936"/>
+          </a:xfrm>
+        </p:spPr>
         <p:txBody>
           <a:bodyPr>
             <a:normAutofit lnSpcReduction="10000"/>
@@ -9300,6 +9515,13 @@
   <p:clrMapOvr>
     <a:masterClrMapping/>
   </p:clrMapOvr>
+  <p:timing>
+    <p:tnLst>
+      <p:par>
+        <p:cTn id="1" dur="indefinite" restart="never" nodeType="tmRoot"/>
+      </p:par>
+    </p:tnLst>
+  </p:timing>
 </p:sld>
 </file>
 
@@ -9431,6 +9653,13 @@
   <p:clrMapOvr>
     <a:masterClrMapping/>
   </p:clrMapOvr>
+  <p:timing>
+    <p:tnLst>
+      <p:par>
+        <p:cTn id="1" dur="indefinite" restart="never" nodeType="tmRoot"/>
+      </p:par>
+    </p:tnLst>
+  </p:timing>
 </p:sld>
 </file>
 
@@ -9551,6 +9780,13 @@
   <p:clrMapOvr>
     <a:masterClrMapping/>
   </p:clrMapOvr>
+  <p:timing>
+    <p:tnLst>
+      <p:par>
+        <p:cTn id="1" dur="indefinite" restart="never" nodeType="tmRoot"/>
+      </p:par>
+    </p:tnLst>
+  </p:timing>
 </p:sld>
 </file>
 
@@ -9685,7 +9921,15 @@
           <a:p>
             <a:r>
               <a:rPr lang="en-US" dirty="0"/>
-              <a:t>To check it use dart –version in your command line</a:t>
+              <a:t>To check it use </a:t>
+            </a:r>
+            <a:r>
+              <a:rPr lang="en-US" dirty="0" smtClean="0"/>
+              <a:t>dart --version </a:t>
+            </a:r>
+            <a:r>
+              <a:rPr lang="en-US" dirty="0"/>
+              <a:t>in your command line</a:t>
             </a:r>
           </a:p>
           <a:p>
@@ -9703,6 +9947,13 @@
   <p:clrMapOvr>
     <a:masterClrMapping/>
   </p:clrMapOvr>
+  <p:timing>
+    <p:tnLst>
+      <p:par>
+        <p:cTn id="1" dur="indefinite" restart="never" nodeType="tmRoot"/>
+      </p:par>
+    </p:tnLst>
+  </p:timing>
 </p:sld>
 </file>
 
@@ -9808,6 +10059,13 @@
   <p:clrMapOvr>
     <a:masterClrMapping/>
   </p:clrMapOvr>
+  <p:timing>
+    <p:tnLst>
+      <p:par>
+        <p:cTn id="1" dur="indefinite" restart="never" nodeType="tmRoot"/>
+      </p:par>
+    </p:tnLst>
+  </p:timing>
 </p:sld>
 </file>
 
@@ -9949,6 +10207,13 @@
   <p:clrMapOvr>
     <a:masterClrMapping/>
   </p:clrMapOvr>
+  <p:timing>
+    <p:tnLst>
+      <p:par>
+        <p:cTn id="1" dur="indefinite" restart="never" nodeType="tmRoot"/>
+      </p:par>
+    </p:tnLst>
+  </p:timing>
 </p:sld>
 </file>
 
@@ -10032,6 +10297,13 @@
   <p:clrMapOvr>
     <a:masterClrMapping/>
   </p:clrMapOvr>
+  <p:timing>
+    <p:tnLst>
+      <p:par>
+        <p:cTn id="1" dur="indefinite" restart="never" nodeType="tmRoot"/>
+      </p:par>
+    </p:tnLst>
+  </p:timing>
 </p:sld>
 </file>
 
@@ -10118,6 +10390,13 @@
   <p:clrMapOvr>
     <a:masterClrMapping/>
   </p:clrMapOvr>
+  <p:timing>
+    <p:tnLst>
+      <p:par>
+        <p:cTn id="1" dur="indefinite" restart="never" nodeType="tmRoot"/>
+      </p:par>
+    </p:tnLst>
+  </p:timing>
 </p:sld>
 </file>
 
@@ -10229,6 +10508,13 @@
   <p:clrMapOvr>
     <a:masterClrMapping/>
   </p:clrMapOvr>
+  <p:timing>
+    <p:tnLst>
+      <p:par>
+        <p:cTn id="1" dur="indefinite" restart="never" nodeType="tmRoot"/>
+      </p:par>
+    </p:tnLst>
+  </p:timing>
 </p:sld>
 </file>
 
@@ -10346,6 +10632,13 @@
   <p:clrMapOvr>
     <a:masterClrMapping/>
   </p:clrMapOvr>
+  <p:timing>
+    <p:tnLst>
+      <p:par>
+        <p:cTn id="1" dur="indefinite" restart="never" nodeType="tmRoot"/>
+      </p:par>
+    </p:tnLst>
+  </p:timing>
 </p:sld>
 </file>
 
@@ -10439,6 +10732,13 @@
   <p:clrMapOvr>
     <a:masterClrMapping/>
   </p:clrMapOvr>
+  <p:timing>
+    <p:tnLst>
+      <p:par>
+        <p:cTn id="1" dur="indefinite" restart="never" nodeType="tmRoot"/>
+      </p:par>
+    </p:tnLst>
+  </p:timing>
 </p:sld>
 </file>
 
@@ -10526,6 +10826,13 @@
   <p:clrMapOvr>
     <a:masterClrMapping/>
   </p:clrMapOvr>
+  <p:timing>
+    <p:tnLst>
+      <p:par>
+        <p:cTn id="1" dur="indefinite" restart="never" nodeType="tmRoot"/>
+      </p:par>
+    </p:tnLst>
+  </p:timing>
 </p:sld>
 </file>
 
@@ -10622,6 +10929,13 @@
   <p:clrMapOvr>
     <a:masterClrMapping/>
   </p:clrMapOvr>
+  <p:timing>
+    <p:tnLst>
+      <p:par>
+        <p:cTn id="1" dur="indefinite" restart="never" nodeType="tmRoot"/>
+      </p:par>
+    </p:tnLst>
+  </p:timing>
 </p:sld>
 </file>
 
@@ -10755,6 +11069,13 @@
   <p:clrMapOvr>
     <a:masterClrMapping/>
   </p:clrMapOvr>
+  <p:timing>
+    <p:tnLst>
+      <p:par>
+        <p:cTn id="1" dur="indefinite" restart="never" nodeType="tmRoot"/>
+      </p:par>
+    </p:tnLst>
+  </p:timing>
 </p:sld>
 </file>
 
@@ -10891,6 +11212,13 @@
   <p:clrMapOvr>
     <a:masterClrMapping/>
   </p:clrMapOvr>
+  <p:timing>
+    <p:tnLst>
+      <p:par>
+        <p:cTn id="1" dur="indefinite" restart="never" nodeType="tmRoot"/>
+      </p:par>
+    </p:tnLst>
+  </p:timing>
 </p:sld>
 </file>
 
@@ -10986,6 +11314,13 @@
   <p:clrMapOvr>
     <a:masterClrMapping/>
   </p:clrMapOvr>
+  <p:timing>
+    <p:tnLst>
+      <p:par>
+        <p:cTn id="1" dur="indefinite" restart="never" nodeType="tmRoot"/>
+      </p:par>
+    </p:tnLst>
+  </p:timing>
 </p:sld>
 </file>
 
@@ -11085,6 +11420,13 @@
   <p:clrMapOvr>
     <a:masterClrMapping/>
   </p:clrMapOvr>
+  <p:timing>
+    <p:tnLst>
+      <p:par>
+        <p:cTn id="1" dur="indefinite" restart="never" nodeType="tmRoot"/>
+      </p:par>
+    </p:tnLst>
+  </p:timing>
 </p:sld>
 </file>
 
@@ -11217,6 +11559,13 @@
   <p:clrMapOvr>
     <a:masterClrMapping/>
   </p:clrMapOvr>
+  <p:timing>
+    <p:tnLst>
+      <p:par>
+        <p:cTn id="1" dur="indefinite" restart="never" nodeType="tmRoot"/>
+      </p:par>
+    </p:tnLst>
+  </p:timing>
 </p:sld>
 </file>
 
@@ -11350,6 +11699,13 @@
   <p:clrMapOvr>
     <a:masterClrMapping/>
   </p:clrMapOvr>
+  <p:timing>
+    <p:tnLst>
+      <p:par>
+        <p:cTn id="1" dur="indefinite" restart="never" nodeType="tmRoot"/>
+      </p:par>
+    </p:tnLst>
+  </p:timing>
 </p:sld>
 </file>
 
@@ -11437,6 +11793,13 @@
   <p:clrMapOvr>
     <a:masterClrMapping/>
   </p:clrMapOvr>
+  <p:timing>
+    <p:tnLst>
+      <p:par>
+        <p:cTn id="1" dur="indefinite" restart="never" nodeType="tmRoot"/>
+      </p:par>
+    </p:tnLst>
+  </p:timing>
 </p:sld>
 </file>
 
@@ -11546,6 +11909,13 @@
   <p:clrMapOvr>
     <a:masterClrMapping/>
   </p:clrMapOvr>
+  <p:timing>
+    <p:tnLst>
+      <p:par>
+        <p:cTn id="1" dur="indefinite" restart="never" nodeType="tmRoot"/>
+      </p:par>
+    </p:tnLst>
+  </p:timing>
 </p:sld>
 </file>
 
@@ -11667,6 +12037,13 @@
   <p:clrMapOvr>
     <a:masterClrMapping/>
   </p:clrMapOvr>
+  <p:timing>
+    <p:tnLst>
+      <p:par>
+        <p:cTn id="1" dur="indefinite" restart="never" nodeType="tmRoot"/>
+      </p:par>
+    </p:tnLst>
+  </p:timing>
 </p:sld>
 </file>
 
@@ -11765,6 +12142,13 @@
   <p:clrMapOvr>
     <a:masterClrMapping/>
   </p:clrMapOvr>
+  <p:timing>
+    <p:tnLst>
+      <p:par>
+        <p:cTn id="1" dur="indefinite" restart="never" nodeType="tmRoot"/>
+      </p:par>
+    </p:tnLst>
+  </p:timing>
 </p:sld>
 </file>
 
@@ -11909,6 +12293,13 @@
   <p:clrMapOvr>
     <a:masterClrMapping/>
   </p:clrMapOvr>
+  <p:timing>
+    <p:tnLst>
+      <p:par>
+        <p:cTn id="1" dur="indefinite" restart="never" nodeType="tmRoot"/>
+      </p:par>
+    </p:tnLst>
+  </p:timing>
 </p:sld>
 </file>
 
@@ -11992,6 +12383,13 @@
   <p:clrMapOvr>
     <a:masterClrMapping/>
   </p:clrMapOvr>
+  <p:timing>
+    <p:tnLst>
+      <p:par>
+        <p:cTn id="1" dur="indefinite" restart="never" nodeType="tmRoot"/>
+      </p:par>
+    </p:tnLst>
+  </p:timing>
 </p:sld>
 </file>
 
